--- a/docs/instruction set.pptx
+++ b/docs/instruction set.pptx
@@ -104,6 +104,11 @@
       </a:defRPr>
     </a:lvl9pPr>
   </p:defaultTextStyle>
+  <p:extLst>
+    <p:ext uri="{EFAFB233-063F-42B5-8137-9DF3F51BA10A}">
+      <p15:sldGuideLst xmlns:p15="http://schemas.microsoft.com/office/powerpoint/2012/main"/>
+    </p:ext>
+  </p:extLst>
 </p:presentation>
 </file>
 
@@ -254,7 +259,7 @@
           <a:p>
             <a:fld id="{D3B21EB5-4B82-9741-8C91-A83832188264}" type="datetimeFigureOut">
               <a:rPr kumimoji="1" lang="zh-CN" altLang="en-US" smtClean="0"/>
-              <a:t>2023/9/12</a:t>
+              <a:t>2023/9/13</a:t>
             </a:fld>
             <a:endParaRPr kumimoji="1" lang="zh-CN" altLang="en-US"/>
           </a:p>
@@ -452,7 +457,7 @@
           <a:p>
             <a:fld id="{D3B21EB5-4B82-9741-8C91-A83832188264}" type="datetimeFigureOut">
               <a:rPr kumimoji="1" lang="zh-CN" altLang="en-US" smtClean="0"/>
-              <a:t>2023/9/12</a:t>
+              <a:t>2023/9/13</a:t>
             </a:fld>
             <a:endParaRPr kumimoji="1" lang="zh-CN" altLang="en-US"/>
           </a:p>
@@ -660,7 +665,7 @@
           <a:p>
             <a:fld id="{D3B21EB5-4B82-9741-8C91-A83832188264}" type="datetimeFigureOut">
               <a:rPr kumimoji="1" lang="zh-CN" altLang="en-US" smtClean="0"/>
-              <a:t>2023/9/12</a:t>
+              <a:t>2023/9/13</a:t>
             </a:fld>
             <a:endParaRPr kumimoji="1" lang="zh-CN" altLang="en-US"/>
           </a:p>
@@ -858,7 +863,7 @@
           <a:p>
             <a:fld id="{D3B21EB5-4B82-9741-8C91-A83832188264}" type="datetimeFigureOut">
               <a:rPr kumimoji="1" lang="zh-CN" altLang="en-US" smtClean="0"/>
-              <a:t>2023/9/12</a:t>
+              <a:t>2023/9/13</a:t>
             </a:fld>
             <a:endParaRPr kumimoji="1" lang="zh-CN" altLang="en-US"/>
           </a:p>
@@ -1133,7 +1138,7 @@
           <a:p>
             <a:fld id="{D3B21EB5-4B82-9741-8C91-A83832188264}" type="datetimeFigureOut">
               <a:rPr kumimoji="1" lang="zh-CN" altLang="en-US" smtClean="0"/>
-              <a:t>2023/9/12</a:t>
+              <a:t>2023/9/13</a:t>
             </a:fld>
             <a:endParaRPr kumimoji="1" lang="zh-CN" altLang="en-US"/>
           </a:p>
@@ -1398,7 +1403,7 @@
           <a:p>
             <a:fld id="{D3B21EB5-4B82-9741-8C91-A83832188264}" type="datetimeFigureOut">
               <a:rPr kumimoji="1" lang="zh-CN" altLang="en-US" smtClean="0"/>
-              <a:t>2023/9/12</a:t>
+              <a:t>2023/9/13</a:t>
             </a:fld>
             <a:endParaRPr kumimoji="1" lang="zh-CN" altLang="en-US"/>
           </a:p>
@@ -1810,7 +1815,7 @@
           <a:p>
             <a:fld id="{D3B21EB5-4B82-9741-8C91-A83832188264}" type="datetimeFigureOut">
               <a:rPr kumimoji="1" lang="zh-CN" altLang="en-US" smtClean="0"/>
-              <a:t>2023/9/12</a:t>
+              <a:t>2023/9/13</a:t>
             </a:fld>
             <a:endParaRPr kumimoji="1" lang="zh-CN" altLang="en-US"/>
           </a:p>
@@ -1951,7 +1956,7 @@
           <a:p>
             <a:fld id="{D3B21EB5-4B82-9741-8C91-A83832188264}" type="datetimeFigureOut">
               <a:rPr kumimoji="1" lang="zh-CN" altLang="en-US" smtClean="0"/>
-              <a:t>2023/9/12</a:t>
+              <a:t>2023/9/13</a:t>
             </a:fld>
             <a:endParaRPr kumimoji="1" lang="zh-CN" altLang="en-US"/>
           </a:p>
@@ -2064,7 +2069,7 @@
           <a:p>
             <a:fld id="{D3B21EB5-4B82-9741-8C91-A83832188264}" type="datetimeFigureOut">
               <a:rPr kumimoji="1" lang="zh-CN" altLang="en-US" smtClean="0"/>
-              <a:t>2023/9/12</a:t>
+              <a:t>2023/9/13</a:t>
             </a:fld>
             <a:endParaRPr kumimoji="1" lang="zh-CN" altLang="en-US"/>
           </a:p>
@@ -2375,7 +2380,7 @@
           <a:p>
             <a:fld id="{D3B21EB5-4B82-9741-8C91-A83832188264}" type="datetimeFigureOut">
               <a:rPr kumimoji="1" lang="zh-CN" altLang="en-US" smtClean="0"/>
-              <a:t>2023/9/12</a:t>
+              <a:t>2023/9/13</a:t>
             </a:fld>
             <a:endParaRPr kumimoji="1" lang="zh-CN" altLang="en-US"/>
           </a:p>
@@ -2663,7 +2668,7 @@
           <a:p>
             <a:fld id="{D3B21EB5-4B82-9741-8C91-A83832188264}" type="datetimeFigureOut">
               <a:rPr kumimoji="1" lang="zh-CN" altLang="en-US" smtClean="0"/>
-              <a:t>2023/9/12</a:t>
+              <a:t>2023/9/13</a:t>
             </a:fld>
             <a:endParaRPr kumimoji="1" lang="zh-CN" altLang="en-US"/>
           </a:p>
@@ -2904,7 +2909,7 @@
           <a:p>
             <a:fld id="{D3B21EB5-4B82-9741-8C91-A83832188264}" type="datetimeFigureOut">
               <a:rPr kumimoji="1" lang="zh-CN" altLang="en-US" smtClean="0"/>
-              <a:t>2023/9/12</a:t>
+              <a:t>2023/9/13</a:t>
             </a:fld>
             <a:endParaRPr kumimoji="1" lang="zh-CN" altLang="en-US"/>
           </a:p>
@@ -4208,9 +4213,16 @@
                 <a:latin typeface="Source Code Pro" panose="020B0509030403020204" pitchFamily="49" charset="0"/>
                 <a:ea typeface="Source Code Pro" panose="020B0509030403020204" pitchFamily="49" charset="0"/>
               </a:rPr>
-              <a:t>branch</a:t>
-            </a:r>
-            <a:endParaRPr kumimoji="1" lang="zh-CN" altLang="en-US" sz="1600" u="sng" dirty="0">
+              <a:t>b</a:t>
+            </a:r>
+            <a:r>
+              <a:rPr kumimoji="1" lang="en-US" altLang="zh-CN" sz="1600" dirty="0">
+                <a:latin typeface="Source Code Pro" panose="020B0509030403020204" pitchFamily="49" charset="0"/>
+                <a:ea typeface="Source Code Pro" panose="020B0509030403020204" pitchFamily="49" charset="0"/>
+              </a:rPr>
+              <a:t>ranch</a:t>
+            </a:r>
+            <a:endParaRPr kumimoji="1" lang="zh-CN" altLang="en-US" sz="1600" dirty="0">
               <a:latin typeface="Source Code Pro" panose="020B0509030403020204" pitchFamily="49" charset="0"/>
             </a:endParaRPr>
           </a:p>
@@ -4510,9 +4522,16 @@
                 <a:latin typeface="Source Code Pro" panose="020B0509030403020204" pitchFamily="49" charset="0"/>
                 <a:ea typeface="Source Code Pro" panose="020B0509030403020204" pitchFamily="49" charset="0"/>
               </a:rPr>
-              <a:t>branch</a:t>
-            </a:r>
-            <a:endParaRPr kumimoji="1" lang="zh-CN" altLang="en-US" sz="1600" u="sng" dirty="0">
+              <a:t>b</a:t>
+            </a:r>
+            <a:r>
+              <a:rPr kumimoji="1" lang="en-US" altLang="zh-CN" sz="1600" dirty="0">
+                <a:latin typeface="Source Code Pro" panose="020B0509030403020204" pitchFamily="49" charset="0"/>
+                <a:ea typeface="Source Code Pro" panose="020B0509030403020204" pitchFamily="49" charset="0"/>
+              </a:rPr>
+              <a:t>ranch</a:t>
+            </a:r>
+            <a:endParaRPr kumimoji="1" lang="zh-CN" altLang="en-US" sz="1600" dirty="0">
               <a:latin typeface="Source Code Pro" panose="020B0509030403020204" pitchFamily="49" charset="0"/>
             </a:endParaRPr>
           </a:p>
